--- a/GC department roadmap.pptx
+++ b/GC department roadmap.pptx
@@ -117,6 +117,11 @@
       </a:defRPr>
     </a:lvl9pPr>
   </p:defaultTextStyle>
+  <p:extLst>
+    <p:ext uri="{EFAFB233-063F-42B5-8137-9DF3F51BA10A}">
+      <p15:sldGuideLst xmlns:p15="http://schemas.microsoft.com/office/powerpoint/2012/main"/>
+    </p:ext>
+  </p:extLst>
 </p:presentation>
 </file>
 
@@ -4633,7 +4638,7 @@
           <a:p>
             <a:fld id="{EFEBD86E-46FF-4070-A938-43D93C4704D5}" type="datetimeFigureOut">
               <a:rPr lang="en-CA" smtClean="0"/>
-              <a:t>2018-02-12</a:t>
+              <a:t>2018-02-15</a:t>
             </a:fld>
             <a:endParaRPr lang="en-CA"/>
           </a:p>
@@ -5974,7 +5979,7 @@
           <a:p>
             <a:fld id="{F74E37F8-8EE1-43B6-AC3A-BC1C77A514EE}" type="datetimeFigureOut">
               <a:rPr lang="en-CA" smtClean="0"/>
-              <a:t>2018-02-12</a:t>
+              <a:t>2018-02-15</a:t>
             </a:fld>
             <a:endParaRPr lang="en-CA"/>
           </a:p>
@@ -6174,7 +6179,7 @@
           <a:p>
             <a:fld id="{F74E37F8-8EE1-43B6-AC3A-BC1C77A514EE}" type="datetimeFigureOut">
               <a:rPr lang="en-CA" smtClean="0"/>
-              <a:t>2018-02-12</a:t>
+              <a:t>2018-02-15</a:t>
             </a:fld>
             <a:endParaRPr lang="en-CA"/>
           </a:p>
@@ -6384,7 +6389,7 @@
           <a:p>
             <a:fld id="{F74E37F8-8EE1-43B6-AC3A-BC1C77A514EE}" type="datetimeFigureOut">
               <a:rPr lang="en-CA" smtClean="0"/>
-              <a:t>2018-02-12</a:t>
+              <a:t>2018-02-15</a:t>
             </a:fld>
             <a:endParaRPr lang="en-CA"/>
           </a:p>
@@ -6584,7 +6589,7 @@
           <a:p>
             <a:fld id="{F74E37F8-8EE1-43B6-AC3A-BC1C77A514EE}" type="datetimeFigureOut">
               <a:rPr lang="en-CA" smtClean="0"/>
-              <a:t>2018-02-12</a:t>
+              <a:t>2018-02-15</a:t>
             </a:fld>
             <a:endParaRPr lang="en-CA"/>
           </a:p>
@@ -6860,7 +6865,7 @@
           <a:p>
             <a:fld id="{F74E37F8-8EE1-43B6-AC3A-BC1C77A514EE}" type="datetimeFigureOut">
               <a:rPr lang="en-CA" smtClean="0"/>
-              <a:t>2018-02-12</a:t>
+              <a:t>2018-02-15</a:t>
             </a:fld>
             <a:endParaRPr lang="en-CA"/>
           </a:p>
@@ -7128,7 +7133,7 @@
           <a:p>
             <a:fld id="{F74E37F8-8EE1-43B6-AC3A-BC1C77A514EE}" type="datetimeFigureOut">
               <a:rPr lang="en-CA" smtClean="0"/>
-              <a:t>2018-02-12</a:t>
+              <a:t>2018-02-15</a:t>
             </a:fld>
             <a:endParaRPr lang="en-CA"/>
           </a:p>
@@ -7543,7 +7548,7 @@
           <a:p>
             <a:fld id="{F74E37F8-8EE1-43B6-AC3A-BC1C77A514EE}" type="datetimeFigureOut">
               <a:rPr lang="en-CA" smtClean="0"/>
-              <a:t>2018-02-12</a:t>
+              <a:t>2018-02-15</a:t>
             </a:fld>
             <a:endParaRPr lang="en-CA"/>
           </a:p>
@@ -7685,7 +7690,7 @@
           <a:p>
             <a:fld id="{F74E37F8-8EE1-43B6-AC3A-BC1C77A514EE}" type="datetimeFigureOut">
               <a:rPr lang="en-CA" smtClean="0"/>
-              <a:t>2018-02-12</a:t>
+              <a:t>2018-02-15</a:t>
             </a:fld>
             <a:endParaRPr lang="en-CA"/>
           </a:p>
@@ -7798,7 +7803,7 @@
           <a:p>
             <a:fld id="{F74E37F8-8EE1-43B6-AC3A-BC1C77A514EE}" type="datetimeFigureOut">
               <a:rPr lang="en-CA" smtClean="0"/>
-              <a:t>2018-02-12</a:t>
+              <a:t>2018-02-15</a:t>
             </a:fld>
             <a:endParaRPr lang="en-CA"/>
           </a:p>
@@ -8111,7 +8116,7 @@
           <a:p>
             <a:fld id="{F74E37F8-8EE1-43B6-AC3A-BC1C77A514EE}" type="datetimeFigureOut">
               <a:rPr lang="en-CA" smtClean="0"/>
-              <a:t>2018-02-12</a:t>
+              <a:t>2018-02-15</a:t>
             </a:fld>
             <a:endParaRPr lang="en-CA"/>
           </a:p>
@@ -8400,7 +8405,7 @@
           <a:p>
             <a:fld id="{F74E37F8-8EE1-43B6-AC3A-BC1C77A514EE}" type="datetimeFigureOut">
               <a:rPr lang="en-CA" smtClean="0"/>
-              <a:t>2018-02-12</a:t>
+              <a:t>2018-02-15</a:t>
             </a:fld>
             <a:endParaRPr lang="en-CA"/>
           </a:p>
@@ -8643,7 +8648,7 @@
           <a:p>
             <a:fld id="{F74E37F8-8EE1-43B6-AC3A-BC1C77A514EE}" type="datetimeFigureOut">
               <a:rPr lang="en-CA" smtClean="0"/>
-              <a:t>2018-02-12</a:t>
+              <a:t>2018-02-15</a:t>
             </a:fld>
             <a:endParaRPr lang="en-CA"/>
           </a:p>
@@ -10691,55 +10696,6 @@
             <a:r>
               <a:rPr lang="en-CA" dirty="0"/>
               <a:t>Operation (Patching, Managing)</a:t>
-            </a:r>
-          </a:p>
-        </p:txBody>
-      </p:sp>
-      <p:sp>
-        <p:nvSpPr>
-          <p:cNvPr id="24" name="Rectangle: Rounded Corners 23">
-            <a:extLst>
-              <a:ext uri="{FF2B5EF4-FFF2-40B4-BE49-F238E27FC236}">
-                <a16:creationId xmlns:a16="http://schemas.microsoft.com/office/drawing/2014/main" id="{2380DE02-442B-453C-A97D-B8448B85A9C5}"/>
-              </a:ext>
-            </a:extLst>
-          </p:cNvPr>
-          <p:cNvSpPr/>
-          <p:nvPr/>
-        </p:nvSpPr>
-        <p:spPr>
-          <a:xfrm>
-            <a:off x="1948276" y="2161774"/>
-            <a:ext cx="1540647" cy="659738"/>
-          </a:xfrm>
-          <a:prstGeom prst="roundRect">
-            <a:avLst/>
-          </a:prstGeom>
-        </p:spPr>
-        <p:style>
-          <a:lnRef idx="2">
-            <a:schemeClr val="accent2">
-              <a:shade val="50000"/>
-            </a:schemeClr>
-          </a:lnRef>
-          <a:fillRef idx="1">
-            <a:schemeClr val="accent2"/>
-          </a:fillRef>
-          <a:effectRef idx="0">
-            <a:schemeClr val="accent2"/>
-          </a:effectRef>
-          <a:fontRef idx="minor">
-            <a:schemeClr val="lt1"/>
-          </a:fontRef>
-        </p:style>
-        <p:txBody>
-          <a:bodyPr rtlCol="0" anchor="ctr"/>
-          <a:lstStyle/>
-          <a:p>
-            <a:pPr algn="ctr"/>
-            <a:r>
-              <a:rPr lang="en-CA" dirty="0"/>
-              <a:t>Connectivity</a:t>
             </a:r>
           </a:p>
         </p:txBody>
